--- a/imagenes/Introducción.pptx
+++ b/imagenes/Introducción.pptx
@@ -7,9 +7,11 @@
   <p:sldIdLst>
     <p:sldId id="260" r:id="rId2"/>
     <p:sldId id="257" r:id="rId3"/>
-    <p:sldId id="256" r:id="rId4"/>
-    <p:sldId id="258" r:id="rId5"/>
-    <p:sldId id="259" r:id="rId6"/>
+    <p:sldId id="262" r:id="rId4"/>
+    <p:sldId id="261" r:id="rId5"/>
+    <p:sldId id="256" r:id="rId6"/>
+    <p:sldId id="258" r:id="rId7"/>
+    <p:sldId id="259" r:id="rId8"/>
   </p:sldIdLst>
   <p:sldSz cx="12192000" cy="6858000"/>
   <p:notesSz cx="6858000" cy="9144000"/>
@@ -2995,6 +2997,11 @@
           <a:prstGeom prst="rect">
             <a:avLst/>
           </a:prstGeom>
+          <a:ln>
+            <a:solidFill>
+              <a:srgbClr val="7030A0"/>
+            </a:solidFill>
+          </a:ln>
         </p:spPr>
       </p:pic>
       <p:sp>
@@ -3178,6 +3185,299 @@
       </p:grpSpPr>
       <p:pic>
         <p:nvPicPr>
+          <p:cNvPr id="2" name="Picture 1"/>
+          <p:cNvPicPr>
+            <a:picLocks noChangeAspect="1"/>
+          </p:cNvPicPr>
+          <p:nvPr/>
+        </p:nvPicPr>
+        <p:blipFill>
+          <a:blip r:embed="rId2"/>
+          <a:stretch>
+            <a:fillRect/>
+          </a:stretch>
+        </p:blipFill>
+        <p:spPr>
+          <a:xfrm>
+            <a:off x="2676525" y="1509712"/>
+            <a:ext cx="6838950" cy="3838575"/>
+          </a:xfrm>
+          <a:prstGeom prst="rect">
+            <a:avLst/>
+          </a:prstGeom>
+          <a:ln>
+            <a:solidFill>
+              <a:srgbClr val="7030A0"/>
+            </a:solidFill>
+          </a:ln>
+        </p:spPr>
+      </p:pic>
+      <p:sp>
+        <p:nvSpPr>
+          <p:cNvPr id="3" name="TextBox 2"/>
+          <p:cNvSpPr txBox="1"/>
+          <p:nvPr/>
+        </p:nvSpPr>
+        <p:spPr>
+          <a:xfrm>
+            <a:off x="8901897" y="6400801"/>
+            <a:ext cx="3167855" cy="307777"/>
+          </a:xfrm>
+          <a:prstGeom prst="rect">
+            <a:avLst/>
+          </a:prstGeom>
+          <a:noFill/>
+        </p:spPr>
+        <p:txBody>
+          <a:bodyPr wrap="none" rtlCol="0">
+            <a:spAutoFit/>
+          </a:bodyPr>
+          <a:lstStyle/>
+          <a:p>
+            <a:pPr algn="r"/>
+            <a:r>
+              <a:rPr lang="es-MX" sz="1400" smtClean="0">
+                <a:latin typeface="Verdana" panose="020B0604030504040204" pitchFamily="34" charset="0"/>
+                <a:ea typeface="Verdana" panose="020B0604030504040204" pitchFamily="34" charset="0"/>
+              </a:rPr>
+              <a:t>IBM: </a:t>
+            </a:r>
+            <a:r>
+              <a:rPr lang="en-US" sz="1400" smtClean="0">
+                <a:latin typeface="Verdana" panose="020B0604030504040204" pitchFamily="34" charset="0"/>
+                <a:ea typeface="Verdana" panose="020B0604030504040204" pitchFamily="34" charset="0"/>
+              </a:rPr>
+              <a:t>AI Professional Certification</a:t>
+            </a:r>
+            <a:endParaRPr lang="es-MX" sz="1400" dirty="0">
+              <a:latin typeface="Verdana" panose="020B0604030504040204" pitchFamily="34" charset="0"/>
+              <a:ea typeface="Verdana" panose="020B0604030504040204" pitchFamily="34" charset="0"/>
+            </a:endParaRPr>
+          </a:p>
+        </p:txBody>
+      </p:sp>
+    </p:spTree>
+    <p:extLst>
+      <p:ext uri="{BB962C8B-B14F-4D97-AF65-F5344CB8AC3E}">
+        <p14:creationId xmlns:p14="http://schemas.microsoft.com/office/powerpoint/2010/main" val="1462073310"/>
+      </p:ext>
+    </p:extLst>
+  </p:cSld>
+  <p:clrMapOvr>
+    <a:masterClrMapping/>
+  </p:clrMapOvr>
+</p:sld>
+</file>
+
+<file path=ppt/slides/slide4.xml><?xml version="1.0" encoding="utf-8"?>
+<p:sld xmlns:a="http://schemas.openxmlformats.org/drawingml/2006/main" xmlns:r="http://schemas.openxmlformats.org/officeDocument/2006/relationships" xmlns:p="http://schemas.openxmlformats.org/presentationml/2006/main">
+  <p:cSld>
+    <p:spTree>
+      <p:nvGrpSpPr>
+        <p:cNvPr id="1" name=""/>
+        <p:cNvGrpSpPr/>
+        <p:nvPr/>
+      </p:nvGrpSpPr>
+      <p:grpSpPr>
+        <a:xfrm>
+          <a:off x="0" y="0"/>
+          <a:ext cx="0" cy="0"/>
+          <a:chOff x="0" y="0"/>
+          <a:chExt cx="0" cy="0"/>
+        </a:xfrm>
+      </p:grpSpPr>
+      <p:sp>
+        <p:nvSpPr>
+          <p:cNvPr id="3" name="TextBox 2"/>
+          <p:cNvSpPr txBox="1"/>
+          <p:nvPr/>
+        </p:nvSpPr>
+        <p:spPr>
+          <a:xfrm>
+            <a:off x="8901897" y="6400801"/>
+            <a:ext cx="3167855" cy="307777"/>
+          </a:xfrm>
+          <a:prstGeom prst="rect">
+            <a:avLst/>
+          </a:prstGeom>
+          <a:noFill/>
+        </p:spPr>
+        <p:txBody>
+          <a:bodyPr wrap="none" rtlCol="0">
+            <a:spAutoFit/>
+          </a:bodyPr>
+          <a:lstStyle/>
+          <a:p>
+            <a:pPr algn="r"/>
+            <a:r>
+              <a:rPr lang="es-MX" sz="1400" smtClean="0">
+                <a:latin typeface="Verdana" panose="020B0604030504040204" pitchFamily="34" charset="0"/>
+                <a:ea typeface="Verdana" panose="020B0604030504040204" pitchFamily="34" charset="0"/>
+              </a:rPr>
+              <a:t>IBM: </a:t>
+            </a:r>
+            <a:r>
+              <a:rPr lang="en-US" sz="1400" smtClean="0">
+                <a:latin typeface="Verdana" panose="020B0604030504040204" pitchFamily="34" charset="0"/>
+                <a:ea typeface="Verdana" panose="020B0604030504040204" pitchFamily="34" charset="0"/>
+              </a:rPr>
+              <a:t>AI Professional Certification</a:t>
+            </a:r>
+            <a:endParaRPr lang="es-MX" sz="1400" dirty="0">
+              <a:latin typeface="Verdana" panose="020B0604030504040204" pitchFamily="34" charset="0"/>
+              <a:ea typeface="Verdana" panose="020B0604030504040204" pitchFamily="34" charset="0"/>
+            </a:endParaRPr>
+          </a:p>
+        </p:txBody>
+      </p:sp>
+      <p:pic>
+        <p:nvPicPr>
+          <p:cNvPr id="4" name="Picture 3"/>
+          <p:cNvPicPr>
+            <a:picLocks noChangeAspect="1"/>
+          </p:cNvPicPr>
+          <p:nvPr/>
+        </p:nvPicPr>
+        <p:blipFill>
+          <a:blip r:embed="rId2"/>
+          <a:stretch>
+            <a:fillRect/>
+          </a:stretch>
+        </p:blipFill>
+        <p:spPr>
+          <a:xfrm>
+            <a:off x="336738" y="195823"/>
+            <a:ext cx="5129213" cy="2893219"/>
+          </a:xfrm>
+          <a:prstGeom prst="rect">
+            <a:avLst/>
+          </a:prstGeom>
+          <a:ln>
+            <a:solidFill>
+              <a:srgbClr val="7030A0"/>
+            </a:solidFill>
+          </a:ln>
+        </p:spPr>
+      </p:pic>
+      <p:pic>
+        <p:nvPicPr>
+          <p:cNvPr id="5" name="Picture 4"/>
+          <p:cNvPicPr>
+            <a:picLocks noChangeAspect="1"/>
+          </p:cNvPicPr>
+          <p:nvPr/>
+        </p:nvPicPr>
+        <p:blipFill>
+          <a:blip r:embed="rId3"/>
+          <a:stretch>
+            <a:fillRect/>
+          </a:stretch>
+        </p:blipFill>
+        <p:spPr>
+          <a:xfrm>
+            <a:off x="6747006" y="195823"/>
+            <a:ext cx="5143500" cy="2900363"/>
+          </a:xfrm>
+          <a:prstGeom prst="rect">
+            <a:avLst/>
+          </a:prstGeom>
+          <a:ln>
+            <a:solidFill>
+              <a:srgbClr val="7030A0"/>
+            </a:solidFill>
+          </a:ln>
+        </p:spPr>
+      </p:pic>
+      <p:pic>
+        <p:nvPicPr>
+          <p:cNvPr id="6" name="Picture 5"/>
+          <p:cNvPicPr>
+            <a:picLocks noChangeAspect="1"/>
+          </p:cNvPicPr>
+          <p:nvPr/>
+        </p:nvPicPr>
+        <p:blipFill>
+          <a:blip r:embed="rId4"/>
+          <a:stretch>
+            <a:fillRect/>
+          </a:stretch>
+        </p:blipFill>
+        <p:spPr>
+          <a:xfrm>
+            <a:off x="336737" y="3406323"/>
+            <a:ext cx="5129213" cy="2886075"/>
+          </a:xfrm>
+          <a:prstGeom prst="rect">
+            <a:avLst/>
+          </a:prstGeom>
+          <a:ln>
+            <a:solidFill>
+              <a:srgbClr val="7030A0"/>
+            </a:solidFill>
+          </a:ln>
+        </p:spPr>
+      </p:pic>
+      <p:pic>
+        <p:nvPicPr>
+          <p:cNvPr id="7" name="Picture 6"/>
+          <p:cNvPicPr>
+            <a:picLocks noChangeAspect="1"/>
+          </p:cNvPicPr>
+          <p:nvPr/>
+        </p:nvPicPr>
+        <p:blipFill>
+          <a:blip r:embed="rId5"/>
+          <a:stretch>
+            <a:fillRect/>
+          </a:stretch>
+        </p:blipFill>
+        <p:spPr>
+          <a:xfrm>
+            <a:off x="6732718" y="3409894"/>
+            <a:ext cx="5157788" cy="2878931"/>
+          </a:xfrm>
+          <a:prstGeom prst="rect">
+            <a:avLst/>
+          </a:prstGeom>
+          <a:ln>
+            <a:solidFill>
+              <a:srgbClr val="7030A0"/>
+            </a:solidFill>
+          </a:ln>
+        </p:spPr>
+      </p:pic>
+    </p:spTree>
+    <p:extLst>
+      <p:ext uri="{BB962C8B-B14F-4D97-AF65-F5344CB8AC3E}">
+        <p14:creationId xmlns:p14="http://schemas.microsoft.com/office/powerpoint/2010/main" val="3203954752"/>
+      </p:ext>
+    </p:extLst>
+  </p:cSld>
+  <p:clrMapOvr>
+    <a:masterClrMapping/>
+  </p:clrMapOvr>
+</p:sld>
+</file>
+
+<file path=ppt/slides/slide5.xml><?xml version="1.0" encoding="utf-8"?>
+<p:sld xmlns:a="http://schemas.openxmlformats.org/drawingml/2006/main" xmlns:r="http://schemas.openxmlformats.org/officeDocument/2006/relationships" xmlns:p="http://schemas.openxmlformats.org/presentationml/2006/main">
+  <p:cSld>
+    <p:spTree>
+      <p:nvGrpSpPr>
+        <p:cNvPr id="1" name=""/>
+        <p:cNvGrpSpPr/>
+        <p:nvPr/>
+      </p:nvGrpSpPr>
+      <p:grpSpPr>
+        <a:xfrm>
+          <a:off x="0" y="0"/>
+          <a:ext cx="0" cy="0"/>
+          <a:chOff x="0" y="0"/>
+          <a:chExt cx="0" cy="0"/>
+        </a:xfrm>
+      </p:grpSpPr>
+      <p:pic>
+        <p:nvPicPr>
           <p:cNvPr id="4" name="Picture 3"/>
           <p:cNvPicPr>
             <a:picLocks noChangeAspect="1"/>
@@ -3257,7 +3557,7 @@
 </p:sld>
 </file>
 
-<file path=ppt/slides/slide4.xml><?xml version="1.0" encoding="utf-8"?>
+<file path=ppt/slides/slide6.xml><?xml version="1.0" encoding="utf-8"?>
 <p:sld xmlns:a="http://schemas.openxmlformats.org/drawingml/2006/main" xmlns:r="http://schemas.openxmlformats.org/officeDocument/2006/relationships" xmlns:p="http://schemas.openxmlformats.org/presentationml/2006/main">
   <p:cSld>
     <p:spTree>
@@ -3355,7 +3655,7 @@
 </p:sld>
 </file>
 
-<file path=ppt/slides/slide5.xml><?xml version="1.0" encoding="utf-8"?>
+<file path=ppt/slides/slide7.xml><?xml version="1.0" encoding="utf-8"?>
 <p:sld xmlns:a="http://schemas.openxmlformats.org/drawingml/2006/main" xmlns:r="http://schemas.openxmlformats.org/officeDocument/2006/relationships" xmlns:p="http://schemas.openxmlformats.org/presentationml/2006/main">
   <p:cSld>
     <p:spTree>

--- a/imagenes/Introducción.pptx
+++ b/imagenes/Introducción.pptx
@@ -2998,9 +2998,7 @@
             <a:avLst/>
           </a:prstGeom>
           <a:ln>
-            <a:solidFill>
-              <a:srgbClr val="7030A0"/>
-            </a:solidFill>
+            <a:noFill/>
           </a:ln>
         </p:spPr>
       </p:pic>
@@ -3045,6 +3043,52 @@
               <a:latin typeface="Verdana" panose="020B0604030504040204" pitchFamily="34" charset="0"/>
               <a:ea typeface="Verdana" panose="020B0604030504040204" pitchFamily="34" charset="0"/>
             </a:endParaRPr>
+          </a:p>
+        </p:txBody>
+      </p:sp>
+      <p:sp>
+        <p:nvSpPr>
+          <p:cNvPr id="4" name="Rectangle 3"/>
+          <p:cNvSpPr/>
+          <p:nvPr/>
+        </p:nvSpPr>
+        <p:spPr>
+          <a:xfrm>
+            <a:off x="188259" y="161365"/>
+            <a:ext cx="11881493" cy="6547213"/>
+          </a:xfrm>
+          <a:prstGeom prst="rect">
+            <a:avLst/>
+          </a:prstGeom>
+          <a:noFill/>
+          <a:ln>
+            <a:solidFill>
+              <a:srgbClr val="7030A0"/>
+            </a:solidFill>
+          </a:ln>
+        </p:spPr>
+        <p:style>
+          <a:lnRef idx="2">
+            <a:schemeClr val="accent1">
+              <a:shade val="50000"/>
+            </a:schemeClr>
+          </a:lnRef>
+          <a:fillRef idx="1">
+            <a:schemeClr val="accent1"/>
+          </a:fillRef>
+          <a:effectRef idx="0">
+            <a:schemeClr val="accent1"/>
+          </a:effectRef>
+          <a:fontRef idx="minor">
+            <a:schemeClr val="lt1"/>
+          </a:fontRef>
+        </p:style>
+        <p:txBody>
+          <a:bodyPr rtlCol="0" anchor="ctr"/>
+          <a:lstStyle/>
+          <a:p>
+            <a:pPr algn="ctr"/>
+            <a:endParaRPr lang="es-MX"/>
           </a:p>
         </p:txBody>
       </p:sp>
@@ -3153,6 +3197,52 @@
           </a:p>
         </p:txBody>
       </p:sp>
+      <p:sp>
+        <p:nvSpPr>
+          <p:cNvPr id="5" name="Rectangle 4"/>
+          <p:cNvSpPr/>
+          <p:nvPr/>
+        </p:nvSpPr>
+        <p:spPr>
+          <a:xfrm>
+            <a:off x="188259" y="161365"/>
+            <a:ext cx="11881493" cy="6547213"/>
+          </a:xfrm>
+          <a:prstGeom prst="rect">
+            <a:avLst/>
+          </a:prstGeom>
+          <a:noFill/>
+          <a:ln>
+            <a:solidFill>
+              <a:srgbClr val="7030A0"/>
+            </a:solidFill>
+          </a:ln>
+        </p:spPr>
+        <p:style>
+          <a:lnRef idx="2">
+            <a:schemeClr val="accent1">
+              <a:shade val="50000"/>
+            </a:schemeClr>
+          </a:lnRef>
+          <a:fillRef idx="1">
+            <a:schemeClr val="accent1"/>
+          </a:fillRef>
+          <a:effectRef idx="0">
+            <a:schemeClr val="accent1"/>
+          </a:effectRef>
+          <a:fontRef idx="minor">
+            <a:schemeClr val="lt1"/>
+          </a:fontRef>
+        </p:style>
+        <p:txBody>
+          <a:bodyPr rtlCol="0" anchor="ctr"/>
+          <a:lstStyle/>
+          <a:p>
+            <a:pPr algn="ctr"/>
+            <a:endParaRPr lang="es-MX"/>
+          </a:p>
+        </p:txBody>
+      </p:sp>
     </p:spTree>
     <p:extLst>
       <p:ext uri="{BB962C8B-B14F-4D97-AF65-F5344CB8AC3E}">
@@ -3256,6 +3346,52 @@
           </a:p>
         </p:txBody>
       </p:sp>
+      <p:sp>
+        <p:nvSpPr>
+          <p:cNvPr id="5" name="Rectangle 4"/>
+          <p:cNvSpPr/>
+          <p:nvPr/>
+        </p:nvSpPr>
+        <p:spPr>
+          <a:xfrm>
+            <a:off x="188259" y="161365"/>
+            <a:ext cx="11881493" cy="6547213"/>
+          </a:xfrm>
+          <a:prstGeom prst="rect">
+            <a:avLst/>
+          </a:prstGeom>
+          <a:noFill/>
+          <a:ln>
+            <a:solidFill>
+              <a:srgbClr val="7030A0"/>
+            </a:solidFill>
+          </a:ln>
+        </p:spPr>
+        <p:style>
+          <a:lnRef idx="2">
+            <a:schemeClr val="accent1">
+              <a:shade val="50000"/>
+            </a:schemeClr>
+          </a:lnRef>
+          <a:fillRef idx="1">
+            <a:schemeClr val="accent1"/>
+          </a:fillRef>
+          <a:effectRef idx="0">
+            <a:schemeClr val="accent1"/>
+          </a:effectRef>
+          <a:fontRef idx="minor">
+            <a:schemeClr val="lt1"/>
+          </a:fontRef>
+        </p:style>
+        <p:txBody>
+          <a:bodyPr rtlCol="0" anchor="ctr"/>
+          <a:lstStyle/>
+          <a:p>
+            <a:pPr algn="ctr"/>
+            <a:endParaRPr lang="es-MX"/>
+          </a:p>
+        </p:txBody>
+      </p:sp>
     </p:spTree>
     <p:extLst>
       <p:ext uri="{BB962C8B-B14F-4D97-AF65-F5344CB8AC3E}">
@@ -3346,7 +3482,7 @@
         </p:blipFill>
         <p:spPr>
           <a:xfrm>
-            <a:off x="336738" y="195823"/>
+            <a:off x="336738" y="343740"/>
             <a:ext cx="5129213" cy="2893219"/>
           </a:xfrm>
           <a:prstGeom prst="rect">
@@ -3375,7 +3511,7 @@
         </p:blipFill>
         <p:spPr>
           <a:xfrm>
-            <a:off x="6747006" y="195823"/>
+            <a:off x="6747006" y="343740"/>
             <a:ext cx="5143500" cy="2900363"/>
           </a:xfrm>
           <a:prstGeom prst="rect">
@@ -3404,7 +3540,7 @@
         </p:blipFill>
         <p:spPr>
           <a:xfrm>
-            <a:off x="336737" y="3406323"/>
+            <a:off x="336737" y="3312194"/>
             <a:ext cx="5129213" cy="2886075"/>
           </a:xfrm>
           <a:prstGeom prst="rect">
@@ -3433,7 +3569,7 @@
         </p:blipFill>
         <p:spPr>
           <a:xfrm>
-            <a:off x="6732718" y="3409894"/>
+            <a:off x="6732718" y="3315765"/>
             <a:ext cx="5157788" cy="2878931"/>
           </a:xfrm>
           <a:prstGeom prst="rect">
@@ -3446,6 +3582,52 @@
           </a:ln>
         </p:spPr>
       </p:pic>
+      <p:sp>
+        <p:nvSpPr>
+          <p:cNvPr id="9" name="Rectangle 8"/>
+          <p:cNvSpPr/>
+          <p:nvPr/>
+        </p:nvSpPr>
+        <p:spPr>
+          <a:xfrm>
+            <a:off x="188259" y="195823"/>
+            <a:ext cx="11881493" cy="6512755"/>
+          </a:xfrm>
+          <a:prstGeom prst="rect">
+            <a:avLst/>
+          </a:prstGeom>
+          <a:noFill/>
+          <a:ln>
+            <a:solidFill>
+              <a:srgbClr val="7030A0"/>
+            </a:solidFill>
+          </a:ln>
+        </p:spPr>
+        <p:style>
+          <a:lnRef idx="2">
+            <a:schemeClr val="accent1">
+              <a:shade val="50000"/>
+            </a:schemeClr>
+          </a:lnRef>
+          <a:fillRef idx="1">
+            <a:schemeClr val="accent1"/>
+          </a:fillRef>
+          <a:effectRef idx="0">
+            <a:schemeClr val="accent1"/>
+          </a:effectRef>
+          <a:fontRef idx="minor">
+            <a:schemeClr val="lt1"/>
+          </a:fontRef>
+        </p:style>
+        <p:txBody>
+          <a:bodyPr rtlCol="0" anchor="ctr"/>
+          <a:lstStyle/>
+          <a:p>
+            <a:pPr algn="ctr"/>
+            <a:endParaRPr lang="es-MX"/>
+          </a:p>
+        </p:txBody>
+      </p:sp>
     </p:spTree>
     <p:extLst>
       <p:ext uri="{BB962C8B-B14F-4D97-AF65-F5344CB8AC3E}">
@@ -3544,6 +3726,52 @@
           </a:p>
         </p:txBody>
       </p:sp>
+      <p:sp>
+        <p:nvSpPr>
+          <p:cNvPr id="7" name="Rectangle 6"/>
+          <p:cNvSpPr/>
+          <p:nvPr/>
+        </p:nvSpPr>
+        <p:spPr>
+          <a:xfrm>
+            <a:off x="188259" y="161365"/>
+            <a:ext cx="11881493" cy="6547213"/>
+          </a:xfrm>
+          <a:prstGeom prst="rect">
+            <a:avLst/>
+          </a:prstGeom>
+          <a:noFill/>
+          <a:ln>
+            <a:solidFill>
+              <a:srgbClr val="7030A0"/>
+            </a:solidFill>
+          </a:ln>
+        </p:spPr>
+        <p:style>
+          <a:lnRef idx="2">
+            <a:schemeClr val="accent1">
+              <a:shade val="50000"/>
+            </a:schemeClr>
+          </a:lnRef>
+          <a:fillRef idx="1">
+            <a:schemeClr val="accent1"/>
+          </a:fillRef>
+          <a:effectRef idx="0">
+            <a:schemeClr val="accent1"/>
+          </a:effectRef>
+          <a:fontRef idx="minor">
+            <a:schemeClr val="lt1"/>
+          </a:fontRef>
+        </p:style>
+        <p:txBody>
+          <a:bodyPr rtlCol="0" anchor="ctr"/>
+          <a:lstStyle/>
+          <a:p>
+            <a:pPr algn="ctr"/>
+            <a:endParaRPr lang="es-MX"/>
+          </a:p>
+        </p:txBody>
+      </p:sp>
     </p:spTree>
     <p:extLst>
       <p:ext uri="{BB962C8B-B14F-4D97-AF65-F5344CB8AC3E}">
@@ -3642,6 +3870,52 @@
           </a:p>
         </p:txBody>
       </p:sp>
+      <p:sp>
+        <p:nvSpPr>
+          <p:cNvPr id="5" name="Rectangle 4"/>
+          <p:cNvSpPr/>
+          <p:nvPr/>
+        </p:nvSpPr>
+        <p:spPr>
+          <a:xfrm>
+            <a:off x="188259" y="161365"/>
+            <a:ext cx="11881493" cy="6547213"/>
+          </a:xfrm>
+          <a:prstGeom prst="rect">
+            <a:avLst/>
+          </a:prstGeom>
+          <a:noFill/>
+          <a:ln>
+            <a:solidFill>
+              <a:srgbClr val="7030A0"/>
+            </a:solidFill>
+          </a:ln>
+        </p:spPr>
+        <p:style>
+          <a:lnRef idx="2">
+            <a:schemeClr val="accent1">
+              <a:shade val="50000"/>
+            </a:schemeClr>
+          </a:lnRef>
+          <a:fillRef idx="1">
+            <a:schemeClr val="accent1"/>
+          </a:fillRef>
+          <a:effectRef idx="0">
+            <a:schemeClr val="accent1"/>
+          </a:effectRef>
+          <a:fontRef idx="minor">
+            <a:schemeClr val="lt1"/>
+          </a:fontRef>
+        </p:style>
+        <p:txBody>
+          <a:bodyPr rtlCol="0" anchor="ctr"/>
+          <a:lstStyle/>
+          <a:p>
+            <a:pPr algn="ctr"/>
+            <a:endParaRPr lang="es-MX"/>
+          </a:p>
+        </p:txBody>
+      </p:sp>
     </p:spTree>
     <p:extLst>
       <p:ext uri="{BB962C8B-B14F-4D97-AF65-F5344CB8AC3E}">
@@ -3737,6 +4011,52 @@
               <a:latin typeface="Verdana" panose="020B0604030504040204" pitchFamily="34" charset="0"/>
               <a:ea typeface="Verdana" panose="020B0604030504040204" pitchFamily="34" charset="0"/>
             </a:endParaRPr>
+          </a:p>
+        </p:txBody>
+      </p:sp>
+      <p:sp>
+        <p:nvSpPr>
+          <p:cNvPr id="6" name="Rectangle 5"/>
+          <p:cNvSpPr/>
+          <p:nvPr/>
+        </p:nvSpPr>
+        <p:spPr>
+          <a:xfrm>
+            <a:off x="188259" y="161365"/>
+            <a:ext cx="11881493" cy="6547213"/>
+          </a:xfrm>
+          <a:prstGeom prst="rect">
+            <a:avLst/>
+          </a:prstGeom>
+          <a:noFill/>
+          <a:ln>
+            <a:solidFill>
+              <a:srgbClr val="7030A0"/>
+            </a:solidFill>
+          </a:ln>
+        </p:spPr>
+        <p:style>
+          <a:lnRef idx="2">
+            <a:schemeClr val="accent1">
+              <a:shade val="50000"/>
+            </a:schemeClr>
+          </a:lnRef>
+          <a:fillRef idx="1">
+            <a:schemeClr val="accent1"/>
+          </a:fillRef>
+          <a:effectRef idx="0">
+            <a:schemeClr val="accent1"/>
+          </a:effectRef>
+          <a:fontRef idx="minor">
+            <a:schemeClr val="lt1"/>
+          </a:fontRef>
+        </p:style>
+        <p:txBody>
+          <a:bodyPr rtlCol="0" anchor="ctr"/>
+          <a:lstStyle/>
+          <a:p>
+            <a:pPr algn="ctr"/>
+            <a:endParaRPr lang="es-MX"/>
           </a:p>
         </p:txBody>
       </p:sp>

--- a/imagenes/Introducción.pptx
+++ b/imagenes/Introducción.pptx
@@ -3289,7 +3289,7 @@
         </p:blipFill>
         <p:spPr>
           <a:xfrm>
-            <a:off x="2676525" y="1509712"/>
+            <a:off x="2900333" y="649100"/>
             <a:ext cx="6838950" cy="3838575"/>
           </a:xfrm>
           <a:prstGeom prst="rect">
@@ -3389,6 +3389,114 @@
           <a:p>
             <a:pPr algn="ctr"/>
             <a:endParaRPr lang="es-MX"/>
+          </a:p>
+        </p:txBody>
+      </p:sp>
+      <p:sp>
+        <p:nvSpPr>
+          <p:cNvPr id="7" name="TextBox 6"/>
+          <p:cNvSpPr txBox="1"/>
+          <p:nvPr/>
+        </p:nvSpPr>
+        <p:spPr>
+          <a:xfrm>
+            <a:off x="9739283" y="2003613"/>
+            <a:ext cx="1457963" cy="369332"/>
+          </a:xfrm>
+          <a:prstGeom prst="rect">
+            <a:avLst/>
+          </a:prstGeom>
+          <a:noFill/>
+        </p:spPr>
+        <p:txBody>
+          <a:bodyPr wrap="none" rtlCol="0">
+            <a:spAutoFit/>
+          </a:bodyPr>
+          <a:lstStyle/>
+          <a:p>
+            <a:pPr algn="ctr"/>
+            <a:r>
+              <a:rPr lang="es-MX" smtClean="0">
+                <a:solidFill>
+                  <a:schemeClr val="bg1"/>
+                </a:solidFill>
+              </a:rPr>
+              <a:t>Generative AI</a:t>
+            </a:r>
+            <a:endParaRPr lang="es-MX">
+              <a:solidFill>
+                <a:schemeClr val="bg1"/>
+              </a:solidFill>
+            </a:endParaRPr>
+          </a:p>
+        </p:txBody>
+      </p:sp>
+      <p:pic>
+        <p:nvPicPr>
+          <p:cNvPr id="9" name="Picture 8"/>
+          <p:cNvPicPr>
+            <a:picLocks noChangeAspect="1"/>
+          </p:cNvPicPr>
+          <p:nvPr/>
+        </p:nvPicPr>
+        <p:blipFill>
+          <a:blip r:embed="rId3" cstate="print">
+            <a:extLst>
+              <a:ext uri="{28A0092B-C50C-407E-A947-70E740481C1C}">
+                <a14:useLocalDpi xmlns:a14="http://schemas.microsoft.com/office/drawing/2010/main" val="0"/>
+              </a:ext>
+            </a:extLst>
+          </a:blip>
+          <a:stretch>
+            <a:fillRect/>
+          </a:stretch>
+        </p:blipFill>
+        <p:spPr>
+          <a:xfrm>
+            <a:off x="6319808" y="4514567"/>
+            <a:ext cx="1600510" cy="1600510"/>
+          </a:xfrm>
+          <a:prstGeom prst="rect">
+            <a:avLst/>
+          </a:prstGeom>
+        </p:spPr>
+      </p:pic>
+      <p:sp>
+        <p:nvSpPr>
+          <p:cNvPr id="10" name="TextBox 9"/>
+          <p:cNvSpPr txBox="1"/>
+          <p:nvPr/>
+        </p:nvSpPr>
+        <p:spPr>
+          <a:xfrm>
+            <a:off x="6407683" y="5513295"/>
+            <a:ext cx="1486625" cy="369332"/>
+          </a:xfrm>
+          <a:prstGeom prst="rect">
+            <a:avLst/>
+          </a:prstGeom>
+          <a:noFill/>
+        </p:spPr>
+        <p:txBody>
+          <a:bodyPr wrap="none" rtlCol="0">
+            <a:spAutoFit/>
+          </a:bodyPr>
+          <a:lstStyle/>
+          <a:p>
+            <a:pPr algn="ctr"/>
+            <a:r>
+              <a:rPr lang="es-MX" b="1" smtClean="0">
+                <a:solidFill>
+                  <a:schemeClr val="bg1"/>
+                </a:solidFill>
+              </a:rPr>
+              <a:t>Generative AI</a:t>
+            </a:r>
+            <a:endParaRPr lang="es-MX" b="1">
+              <a:solidFill>
+                <a:schemeClr val="bg1"/>
+              </a:solidFill>
+            </a:endParaRPr>
           </a:p>
         </p:txBody>
       </p:sp>

--- a/imagenes/Introducción.pptx
+++ b/imagenes/Introducción.pptx
@@ -12,6 +12,7 @@
     <p:sldId id="256" r:id="rId6"/>
     <p:sldId id="258" r:id="rId7"/>
     <p:sldId id="259" r:id="rId8"/>
+    <p:sldId id="263" r:id="rId9"/>
   </p:sldIdLst>
   <p:sldSz cx="12192000" cy="6858000"/>
   <p:notesSz cx="6858000" cy="9144000"/>
@@ -4181,6 +4182,150 @@
 </p:sld>
 </file>
 
+<file path=ppt/slides/slide8.xml><?xml version="1.0" encoding="utf-8"?>
+<p:sld xmlns:a="http://schemas.openxmlformats.org/drawingml/2006/main" xmlns:r="http://schemas.openxmlformats.org/officeDocument/2006/relationships" xmlns:p="http://schemas.openxmlformats.org/presentationml/2006/main">
+  <p:cSld>
+    <p:spTree>
+      <p:nvGrpSpPr>
+        <p:cNvPr id="1" name=""/>
+        <p:cNvGrpSpPr/>
+        <p:nvPr/>
+      </p:nvGrpSpPr>
+      <p:grpSpPr>
+        <a:xfrm>
+          <a:off x="0" y="0"/>
+          <a:ext cx="0" cy="0"/>
+          <a:chOff x="0" y="0"/>
+          <a:chExt cx="0" cy="0"/>
+        </a:xfrm>
+      </p:grpSpPr>
+      <p:pic>
+        <p:nvPicPr>
+          <p:cNvPr id="2" name="Picture 1"/>
+          <p:cNvPicPr>
+            <a:picLocks noChangeAspect="1"/>
+          </p:cNvPicPr>
+          <p:nvPr/>
+        </p:nvPicPr>
+        <p:blipFill>
+          <a:blip r:embed="rId2"/>
+          <a:stretch>
+            <a:fillRect/>
+          </a:stretch>
+        </p:blipFill>
+        <p:spPr>
+          <a:xfrm>
+            <a:off x="2538412" y="1571625"/>
+            <a:ext cx="7115175" cy="3714750"/>
+          </a:xfrm>
+          <a:prstGeom prst="rect">
+            <a:avLst/>
+          </a:prstGeom>
+        </p:spPr>
+      </p:pic>
+      <p:sp>
+        <p:nvSpPr>
+          <p:cNvPr id="3" name="TextBox 2"/>
+          <p:cNvSpPr txBox="1"/>
+          <p:nvPr/>
+        </p:nvSpPr>
+        <p:spPr>
+          <a:xfrm>
+            <a:off x="5835265" y="6400801"/>
+            <a:ext cx="6273642" cy="307777"/>
+          </a:xfrm>
+          <a:prstGeom prst="rect">
+            <a:avLst/>
+          </a:prstGeom>
+          <a:noFill/>
+        </p:spPr>
+        <p:txBody>
+          <a:bodyPr wrap="none" rtlCol="0">
+            <a:spAutoFit/>
+          </a:bodyPr>
+          <a:lstStyle/>
+          <a:p>
+            <a:pPr algn="r"/>
+            <a:r>
+              <a:rPr lang="en-US" sz="1400" dirty="0" err="1" smtClean="0">
+                <a:latin typeface="Verdana" panose="020B0604030504040204" pitchFamily="34" charset="0"/>
+                <a:ea typeface="Verdana" panose="020B0604030504040204" pitchFamily="34" charset="0"/>
+              </a:rPr>
+              <a:t>Udacity</a:t>
+            </a:r>
+            <a:r>
+              <a:rPr lang="en-US" sz="1400" dirty="0" smtClean="0">
+                <a:latin typeface="Verdana" panose="020B0604030504040204" pitchFamily="34" charset="0"/>
+                <a:ea typeface="Verdana" panose="020B0604030504040204" pitchFamily="34" charset="0"/>
+              </a:rPr>
+              <a:t>: Machine Learning Scholarship Program for Microsoft Azure</a:t>
+            </a:r>
+            <a:endParaRPr lang="es-MX" sz="1400" dirty="0">
+              <a:latin typeface="Verdana" panose="020B0604030504040204" pitchFamily="34" charset="0"/>
+              <a:ea typeface="Verdana" panose="020B0604030504040204" pitchFamily="34" charset="0"/>
+            </a:endParaRPr>
+          </a:p>
+        </p:txBody>
+      </p:sp>
+      <p:sp>
+        <p:nvSpPr>
+          <p:cNvPr id="4" name="Rectangle 3"/>
+          <p:cNvSpPr/>
+          <p:nvPr/>
+        </p:nvSpPr>
+        <p:spPr>
+          <a:xfrm>
+            <a:off x="188259" y="161365"/>
+            <a:ext cx="11881493" cy="6547213"/>
+          </a:xfrm>
+          <a:prstGeom prst="rect">
+            <a:avLst/>
+          </a:prstGeom>
+          <a:noFill/>
+          <a:ln>
+            <a:solidFill>
+              <a:srgbClr val="7030A0"/>
+            </a:solidFill>
+          </a:ln>
+        </p:spPr>
+        <p:style>
+          <a:lnRef idx="2">
+            <a:schemeClr val="accent1">
+              <a:shade val="50000"/>
+            </a:schemeClr>
+          </a:lnRef>
+          <a:fillRef idx="1">
+            <a:schemeClr val="accent1"/>
+          </a:fillRef>
+          <a:effectRef idx="0">
+            <a:schemeClr val="accent1"/>
+          </a:effectRef>
+          <a:fontRef idx="minor">
+            <a:schemeClr val="lt1"/>
+          </a:fontRef>
+        </p:style>
+        <p:txBody>
+          <a:bodyPr rtlCol="0" anchor="ctr"/>
+          <a:lstStyle/>
+          <a:p>
+            <a:pPr algn="ctr"/>
+            <a:endParaRPr lang="es-MX"/>
+          </a:p>
+        </p:txBody>
+      </p:sp>
+    </p:spTree>
+    <p:extLst>
+      <p:ext uri="{BB962C8B-B14F-4D97-AF65-F5344CB8AC3E}">
+        <p14:creationId xmlns:p14="http://schemas.microsoft.com/office/powerpoint/2010/main" val="298477315"/>
+      </p:ext>
+    </p:extLst>
+  </p:cSld>
+  <p:clrMapOvr>
+    <a:masterClrMapping/>
+  </p:clrMapOvr>
+</p:sld>
+</file>
+
 <file path=ppt/theme/theme1.xml><?xml version="1.0" encoding="utf-8"?>
 <a:theme xmlns:a="http://schemas.openxmlformats.org/drawingml/2006/main" name="Office Theme">
   <a:themeElements>
